--- a/_PowerPoints/2nd Semester/Unit 5 Polynomials/Algebra4_Day_052 [Test].pptx
+++ b/_PowerPoints/2nd Semester/Unit 5 Polynomials/Algebra4_Day_052 [Test].pptx
@@ -5,13 +5,14 @@
     <p:sldMasterId id="2147483648" r:id="rId1"/>
   </p:sldMasterIdLst>
   <p:handoutMasterIdLst>
-    <p:handoutMasterId r:id="rId6"/>
+    <p:handoutMasterId r:id="rId7"/>
   </p:handoutMasterIdLst>
   <p:sldIdLst>
     <p:sldId id="263" r:id="rId2"/>
     <p:sldId id="322" r:id="rId3"/>
-    <p:sldId id="332" r:id="rId4"/>
-    <p:sldId id="319" r:id="rId5"/>
+    <p:sldId id="333" r:id="rId4"/>
+    <p:sldId id="332" r:id="rId5"/>
+    <p:sldId id="319" r:id="rId6"/>
   </p:sldIdLst>
   <p:sldSz cx="12192000" cy="6858000"/>
   <p:notesSz cx="9296400" cy="7010400"/>
@@ -200,7 +201,7 @@
           <a:p>
             <a:fld id="{FAC4242D-6570-4D26-878C-5DE8AD62D39F}" type="datetimeFigureOut">
               <a:rPr lang="en-US" smtClean="0"/>
-              <a:t>2/12/2018</a:t>
+              <a:t>2/13/2018</a:t>
             </a:fld>
             <a:endParaRPr lang="en-US"/>
           </a:p>
@@ -453,7 +454,7 @@
             <a:fld id="{87DE6118-2437-4B30-8E3C-4D2BE6020583}" type="datetimeFigureOut">
               <a:rPr lang="en-US" dirty="0"/>
               <a:pPr/>
-              <a:t>2/12/2018</a:t>
+              <a:t>2/13/2018</a:t>
             </a:fld>
             <a:endParaRPr lang="en-US" dirty="0"/>
           </a:p>
@@ -779,7 +780,7 @@
           <a:p>
             <a:fld id="{87DE6118-2437-4B30-8E3C-4D2BE6020583}" type="datetimeFigureOut">
               <a:rPr lang="en-US" dirty="0"/>
-              <a:t>2/12/2018</a:t>
+              <a:t>2/13/2018</a:t>
             </a:fld>
             <a:endParaRPr lang="en-US" dirty="0"/>
           </a:p>
@@ -954,7 +955,7 @@
           <a:p>
             <a:fld id="{87DE6118-2437-4B30-8E3C-4D2BE6020583}" type="datetimeFigureOut">
               <a:rPr lang="en-US" dirty="0"/>
-              <a:t>2/12/2018</a:t>
+              <a:t>2/13/2018</a:t>
             </a:fld>
             <a:endParaRPr lang="en-US" dirty="0"/>
           </a:p>
@@ -1119,7 +1120,7 @@
           <a:p>
             <a:fld id="{87DE6118-2437-4B30-8E3C-4D2BE6020583}" type="datetimeFigureOut">
               <a:rPr lang="en-US" dirty="0"/>
-              <a:t>2/12/2018</a:t>
+              <a:t>2/13/2018</a:t>
             </a:fld>
             <a:endParaRPr lang="en-US" dirty="0"/>
           </a:p>
@@ -1392,7 +1393,7 @@
             <a:fld id="{87DE6118-2437-4B30-8E3C-4D2BE6020583}" type="datetimeFigureOut">
               <a:rPr lang="en-US" dirty="0"/>
               <a:pPr/>
-              <a:t>2/12/2018</a:t>
+              <a:t>2/13/2018</a:t>
             </a:fld>
             <a:endParaRPr lang="en-US" dirty="0"/>
           </a:p>
@@ -1782,7 +1783,7 @@
           <a:p>
             <a:fld id="{87DE6118-2437-4B30-8E3C-4D2BE6020583}" type="datetimeFigureOut">
               <a:rPr lang="en-US" dirty="0"/>
-              <a:t>2/12/2018</a:t>
+              <a:t>2/13/2018</a:t>
             </a:fld>
             <a:endParaRPr lang="en-US" dirty="0"/>
           </a:p>
@@ -2254,7 +2255,7 @@
           <a:p>
             <a:fld id="{87DE6118-2437-4B30-8E3C-4D2BE6020583}" type="datetimeFigureOut">
               <a:rPr lang="en-US" dirty="0"/>
-              <a:t>2/12/2018</a:t>
+              <a:t>2/13/2018</a:t>
             </a:fld>
             <a:endParaRPr lang="en-US" dirty="0"/>
           </a:p>
@@ -2367,7 +2368,7 @@
           <a:p>
             <a:fld id="{87DE6118-2437-4B30-8E3C-4D2BE6020583}" type="datetimeFigureOut">
               <a:rPr lang="en-US" dirty="0"/>
-              <a:t>2/12/2018</a:t>
+              <a:t>2/13/2018</a:t>
             </a:fld>
             <a:endParaRPr lang="en-US" dirty="0"/>
           </a:p>
@@ -2457,7 +2458,7 @@
           <a:p>
             <a:fld id="{87DE6118-2437-4B30-8E3C-4D2BE6020583}" type="datetimeFigureOut">
               <a:rPr lang="en-US" dirty="0"/>
-              <a:t>2/12/2018</a:t>
+              <a:t>2/13/2018</a:t>
             </a:fld>
             <a:endParaRPr lang="en-US" dirty="0"/>
           </a:p>
@@ -2799,7 +2800,7 @@
             <a:fld id="{87DE6118-2437-4B30-8E3C-4D2BE6020583}" type="datetimeFigureOut">
               <a:rPr lang="en-US" dirty="0"/>
               <a:pPr/>
-              <a:t>2/12/2018</a:t>
+              <a:t>2/13/2018</a:t>
             </a:fld>
             <a:endParaRPr lang="en-US" dirty="0"/>
           </a:p>
@@ -3184,7 +3185,7 @@
             <a:fld id="{87DE6118-2437-4B30-8E3C-4D2BE6020583}" type="datetimeFigureOut">
               <a:rPr lang="en-US" dirty="0"/>
               <a:pPr/>
-              <a:t>2/12/2018</a:t>
+              <a:t>2/13/2018</a:t>
             </a:fld>
             <a:endParaRPr lang="en-US" dirty="0"/>
           </a:p>
@@ -3459,7 +3460,7 @@
             <a:fld id="{87DE6118-2437-4B30-8E3C-4D2BE6020583}" type="datetimeFigureOut">
               <a:rPr lang="en-US" dirty="0"/>
               <a:pPr/>
-              <a:t>2/12/2018</a:t>
+              <a:t>2/13/2018</a:t>
             </a:fld>
             <a:endParaRPr lang="en-US" dirty="0"/>
           </a:p>
@@ -4138,6 +4139,400 @@
           <a:chExt cx="0" cy="0"/>
         </a:xfrm>
       </p:grpSpPr>
+      <mc:AlternateContent xmlns:mc="http://schemas.openxmlformats.org/markup-compatibility/2006">
+        <mc:Choice xmlns:a14="http://schemas.microsoft.com/office/drawing/2010/main" Requires="a14">
+          <p:sp>
+            <p:nvSpPr>
+              <p:cNvPr id="2" name="Title 1"/>
+              <p:cNvSpPr>
+                <a:spLocks noGrp="1"/>
+              </p:cNvSpPr>
+              <p:nvPr>
+                <p:ph type="title"/>
+              </p:nvPr>
+            </p:nvSpPr>
+            <p:spPr>
+              <a:xfrm>
+                <a:off x="1371600" y="685800"/>
+                <a:ext cx="9601200" cy="4961534"/>
+              </a:xfrm>
+            </p:spPr>
+            <p:txBody>
+              <a:bodyPr>
+                <a:normAutofit fontScale="90000"/>
+              </a:bodyPr>
+              <a:lstStyle/>
+              <a:p>
+                <a:pPr algn="ctr"/>
+                <a:r>
+                  <a:rPr lang="en-US" i="1" dirty="0" smtClean="0">
+                    <a:latin typeface="Cambria Math" panose="02040503050406030204" pitchFamily="18" charset="0"/>
+                  </a:rPr>
+                  <a:t>To solve… </a:t>
+                </a:r>
+                <a:br>
+                  <a:rPr lang="en-US" i="1" dirty="0" smtClean="0">
+                    <a:latin typeface="Cambria Math" panose="02040503050406030204" pitchFamily="18" charset="0"/>
+                  </a:rPr>
+                </a:br>
+                <a:r>
+                  <a:rPr lang="en-US" sz="5000" i="1" dirty="0" smtClean="0">
+                    <a:latin typeface="Cambria Math" panose="02040503050406030204" pitchFamily="18" charset="0"/>
+                  </a:rPr>
+                  <a:t/>
+                </a:r>
+                <a:br>
+                  <a:rPr lang="en-US" sz="5000" i="1" dirty="0" smtClean="0">
+                    <a:latin typeface="Cambria Math" panose="02040503050406030204" pitchFamily="18" charset="0"/>
+                  </a:rPr>
+                </a:br>
+                <a:r>
+                  <a:rPr lang="en-US" sz="5000" i="1" dirty="0" smtClean="0">
+                    <a:latin typeface="Cambria Math" panose="02040503050406030204" pitchFamily="18" charset="0"/>
+                  </a:rPr>
+                  <a:t> </a:t>
+                </a:r>
+                <a14:m>
+                  <m:oMath xmlns:m="http://schemas.openxmlformats.org/officeDocument/2006/math">
+                    <m:sSup>
+                      <m:sSupPr>
+                        <m:ctrlPr>
+                          <a:rPr lang="en-US" sz="5000" i="1" smtClean="0">
+                            <a:latin typeface="Cambria Math" panose="02040503050406030204" pitchFamily="18" charset="0"/>
+                          </a:rPr>
+                        </m:ctrlPr>
+                      </m:sSupPr>
+                      <m:e>
+                        <m:r>
+                          <a:rPr lang="en-US" sz="5000" b="0" i="1" smtClean="0">
+                            <a:latin typeface="Cambria Math" panose="02040503050406030204" pitchFamily="18" charset="0"/>
+                          </a:rPr>
+                          <m:t>𝑎𝑥</m:t>
+                        </m:r>
+                      </m:e>
+                      <m:sup>
+                        <m:r>
+                          <a:rPr lang="en-US" sz="5000" b="0" i="1" smtClean="0">
+                            <a:latin typeface="Cambria Math" panose="02040503050406030204" pitchFamily="18" charset="0"/>
+                          </a:rPr>
+                          <m:t>2</m:t>
+                        </m:r>
+                      </m:sup>
+                    </m:sSup>
+                    <m:r>
+                      <a:rPr lang="en-US" sz="5000" b="0" i="1" smtClean="0">
+                        <a:latin typeface="Cambria Math" panose="02040503050406030204" pitchFamily="18" charset="0"/>
+                      </a:rPr>
+                      <m:t>+</m:t>
+                    </m:r>
+                    <m:r>
+                      <a:rPr lang="en-US" sz="5000" b="0" i="1" smtClean="0">
+                        <a:latin typeface="Cambria Math" panose="02040503050406030204" pitchFamily="18" charset="0"/>
+                      </a:rPr>
+                      <m:t>𝑏𝑥</m:t>
+                    </m:r>
+                    <m:r>
+                      <a:rPr lang="en-US" sz="5000" b="0" i="1" smtClean="0">
+                        <a:latin typeface="Cambria Math" panose="02040503050406030204" pitchFamily="18" charset="0"/>
+                      </a:rPr>
+                      <m:t>+</m:t>
+                    </m:r>
+                    <m:r>
+                      <a:rPr lang="en-US" sz="5000" b="0" i="1" smtClean="0">
+                        <a:latin typeface="Cambria Math" panose="02040503050406030204" pitchFamily="18" charset="0"/>
+                      </a:rPr>
+                      <m:t>𝑐</m:t>
+                    </m:r>
+                    <m:r>
+                      <a:rPr lang="en-US" sz="5000" b="0" i="1" smtClean="0">
+                        <a:latin typeface="Cambria Math" panose="02040503050406030204" pitchFamily="18" charset="0"/>
+                      </a:rPr>
+                      <m:t>=0</m:t>
+                    </m:r>
+                  </m:oMath>
+                </a14:m>
+                <a:r>
+                  <a:rPr lang="en-US" b="0" dirty="0" smtClean="0"/>
+                  <a:t/>
+                </a:r>
+                <a:br>
+                  <a:rPr lang="en-US" b="0" dirty="0" smtClean="0"/>
+                </a:br>
+                <a:r>
+                  <a:rPr lang="en-US" dirty="0" smtClean="0"/>
+                  <a:t/>
+                </a:r>
+                <a:br>
+                  <a:rPr lang="en-US" dirty="0" smtClean="0"/>
+                </a:br>
+                <a:r>
+                  <a:rPr lang="en-US" i="1" dirty="0" smtClean="0"/>
+                  <a:t>Use…</a:t>
+                </a:r>
+                <a:br>
+                  <a:rPr lang="en-US" i="1" dirty="0" smtClean="0"/>
+                </a:br>
+                <a:r>
+                  <a:rPr lang="en-US" i="1" dirty="0" smtClean="0"/>
+                  <a:t/>
+                </a:r>
+                <a:br>
+                  <a:rPr lang="en-US" i="1" dirty="0" smtClean="0"/>
+                </a:br>
+                <a:r>
+                  <a:rPr lang="en-US" i="1" dirty="0" smtClean="0"/>
+                  <a:t> </a:t>
+                </a:r>
+                <a14:m>
+                  <m:oMath xmlns:m="http://schemas.openxmlformats.org/officeDocument/2006/math">
+                    <m:r>
+                      <a:rPr lang="en-US" sz="6100" b="0" i="1" smtClean="0">
+                        <a:latin typeface="Cambria Math" panose="02040503050406030204" pitchFamily="18" charset="0"/>
+                      </a:rPr>
+                      <m:t>𝑥</m:t>
+                    </m:r>
+                    <m:r>
+                      <a:rPr lang="en-US" sz="6100" b="0" i="1" smtClean="0">
+                        <a:latin typeface="Cambria Math" panose="02040503050406030204" pitchFamily="18" charset="0"/>
+                      </a:rPr>
+                      <m:t>=</m:t>
+                    </m:r>
+                    <m:f>
+                      <m:fPr>
+                        <m:ctrlPr>
+                          <a:rPr lang="en-US" sz="6100" i="1" smtClean="0">
+                            <a:latin typeface="Cambria Math" panose="02040503050406030204" pitchFamily="18" charset="0"/>
+                          </a:rPr>
+                        </m:ctrlPr>
+                      </m:fPr>
+                      <m:num>
+                        <m:r>
+                          <a:rPr lang="en-US" sz="6100" b="0" i="1" smtClean="0">
+                            <a:latin typeface="Cambria Math" panose="02040503050406030204" pitchFamily="18" charset="0"/>
+                          </a:rPr>
+                          <m:t>−(</m:t>
+                        </m:r>
+                        <m:r>
+                          <a:rPr lang="en-US" sz="6100" b="0" i="1" smtClean="0">
+                            <a:latin typeface="Cambria Math" panose="02040503050406030204" pitchFamily="18" charset="0"/>
+                          </a:rPr>
+                          <m:t>𝑏</m:t>
+                        </m:r>
+                        <m:r>
+                          <a:rPr lang="en-US" sz="6100" b="0" i="1" smtClean="0">
+                            <a:latin typeface="Cambria Math" panose="02040503050406030204" pitchFamily="18" charset="0"/>
+                          </a:rPr>
+                          <m:t>)±</m:t>
+                        </m:r>
+                        <m:rad>
+                          <m:radPr>
+                            <m:degHide m:val="on"/>
+                            <m:ctrlPr>
+                              <a:rPr lang="en-US" sz="6100" b="0" i="1" smtClean="0">
+                                <a:latin typeface="Cambria Math" panose="02040503050406030204" pitchFamily="18" charset="0"/>
+                                <a:ea typeface="Cambria Math" panose="02040503050406030204" pitchFamily="18" charset="0"/>
+                              </a:rPr>
+                            </m:ctrlPr>
+                          </m:radPr>
+                          <m:deg/>
+                          <m:e>
+                            <m:r>
+                              <a:rPr lang="en-US" sz="6100" b="0" i="1" smtClean="0">
+                                <a:latin typeface="Cambria Math" panose="02040503050406030204" pitchFamily="18" charset="0"/>
+                                <a:ea typeface="Cambria Math" panose="02040503050406030204" pitchFamily="18" charset="0"/>
+                              </a:rPr>
+                              <m:t>(</m:t>
+                            </m:r>
+                            <m:r>
+                              <a:rPr lang="en-US" sz="6100" b="0" i="1" smtClean="0">
+                                <a:latin typeface="Cambria Math" panose="02040503050406030204" pitchFamily="18" charset="0"/>
+                                <a:ea typeface="Cambria Math" panose="02040503050406030204" pitchFamily="18" charset="0"/>
+                              </a:rPr>
+                              <m:t>𝑏</m:t>
+                            </m:r>
+                            <m:sSup>
+                              <m:sSupPr>
+                                <m:ctrlPr>
+                                  <a:rPr lang="en-US" sz="6100" b="0" i="1" smtClean="0">
+                                    <a:latin typeface="Cambria Math" panose="02040503050406030204" pitchFamily="18" charset="0"/>
+                                    <a:ea typeface="Cambria Math" panose="02040503050406030204" pitchFamily="18" charset="0"/>
+                                  </a:rPr>
+                                </m:ctrlPr>
+                              </m:sSupPr>
+                              <m:e>
+                                <m:r>
+                                  <a:rPr lang="en-US" sz="6100" b="0" i="1" smtClean="0">
+                                    <a:latin typeface="Cambria Math" panose="02040503050406030204" pitchFamily="18" charset="0"/>
+                                    <a:ea typeface="Cambria Math" panose="02040503050406030204" pitchFamily="18" charset="0"/>
+                                  </a:rPr>
+                                  <m:t>)</m:t>
+                                </m:r>
+                              </m:e>
+                              <m:sup>
+                                <m:r>
+                                  <a:rPr lang="en-US" sz="6100" b="0" i="1" smtClean="0">
+                                    <a:latin typeface="Cambria Math" panose="02040503050406030204" pitchFamily="18" charset="0"/>
+                                    <a:ea typeface="Cambria Math" panose="02040503050406030204" pitchFamily="18" charset="0"/>
+                                  </a:rPr>
+                                  <m:t>2</m:t>
+                                </m:r>
+                              </m:sup>
+                            </m:sSup>
+                            <m:r>
+                              <a:rPr lang="en-US" sz="6100" b="0" i="1" smtClean="0">
+                                <a:latin typeface="Cambria Math" panose="02040503050406030204" pitchFamily="18" charset="0"/>
+                                <a:ea typeface="Cambria Math" panose="02040503050406030204" pitchFamily="18" charset="0"/>
+                              </a:rPr>
+                              <m:t>−4(</m:t>
+                            </m:r>
+                            <m:r>
+                              <a:rPr lang="en-US" sz="6100" b="0" i="1" smtClean="0">
+                                <a:latin typeface="Cambria Math" panose="02040503050406030204" pitchFamily="18" charset="0"/>
+                                <a:ea typeface="Cambria Math" panose="02040503050406030204" pitchFamily="18" charset="0"/>
+                              </a:rPr>
+                              <m:t>𝑎</m:t>
+                            </m:r>
+                            <m:r>
+                              <a:rPr lang="en-US" sz="6100" b="0" i="1" smtClean="0">
+                                <a:latin typeface="Cambria Math" panose="02040503050406030204" pitchFamily="18" charset="0"/>
+                                <a:ea typeface="Cambria Math" panose="02040503050406030204" pitchFamily="18" charset="0"/>
+                              </a:rPr>
+                              <m:t>)(</m:t>
+                            </m:r>
+                            <m:r>
+                              <a:rPr lang="en-US" sz="6100" b="0" i="1" smtClean="0">
+                                <a:latin typeface="Cambria Math" panose="02040503050406030204" pitchFamily="18" charset="0"/>
+                                <a:ea typeface="Cambria Math" panose="02040503050406030204" pitchFamily="18" charset="0"/>
+                              </a:rPr>
+                              <m:t>𝑐</m:t>
+                            </m:r>
+                            <m:r>
+                              <a:rPr lang="en-US" sz="6100" b="0" i="1" smtClean="0">
+                                <a:latin typeface="Cambria Math" panose="02040503050406030204" pitchFamily="18" charset="0"/>
+                                <a:ea typeface="Cambria Math" panose="02040503050406030204" pitchFamily="18" charset="0"/>
+                              </a:rPr>
+                              <m:t>)</m:t>
+                            </m:r>
+                          </m:e>
+                        </m:rad>
+                      </m:num>
+                      <m:den>
+                        <m:r>
+                          <a:rPr lang="en-US" sz="6100" b="0" i="1" smtClean="0">
+                            <a:latin typeface="Cambria Math" panose="02040503050406030204" pitchFamily="18" charset="0"/>
+                          </a:rPr>
+                          <m:t>2(</m:t>
+                        </m:r>
+                        <m:r>
+                          <a:rPr lang="en-US" sz="6100" b="0" i="1" smtClean="0">
+                            <a:latin typeface="Cambria Math" panose="02040503050406030204" pitchFamily="18" charset="0"/>
+                          </a:rPr>
+                          <m:t>𝑎</m:t>
+                        </m:r>
+                        <m:r>
+                          <a:rPr lang="en-US" sz="6100" b="0" i="1" smtClean="0">
+                            <a:latin typeface="Cambria Math" panose="02040503050406030204" pitchFamily="18" charset="0"/>
+                          </a:rPr>
+                          <m:t>)</m:t>
+                        </m:r>
+                      </m:den>
+                    </m:f>
+                  </m:oMath>
+                </a14:m>
+                <a:r>
+                  <a:rPr lang="en-US" b="0" dirty="0" smtClean="0"/>
+                  <a:t/>
+                </a:r>
+                <a:br>
+                  <a:rPr lang="en-US" b="0" dirty="0" smtClean="0"/>
+                </a:br>
+                <a:r>
+                  <a:rPr lang="en-US" b="0" dirty="0" smtClean="0"/>
+                  <a:t/>
+                </a:r>
+                <a:br>
+                  <a:rPr lang="en-US" b="0" dirty="0" smtClean="0"/>
+                </a:br>
+                <a:endParaRPr lang="en-US" dirty="0"/>
+              </a:p>
+            </p:txBody>
+          </p:sp>
+        </mc:Choice>
+        <mc:Fallback>
+          <p:sp>
+            <p:nvSpPr>
+              <p:cNvPr id="2" name="Title 1"/>
+              <p:cNvSpPr>
+                <a:spLocks noGrp="1" noRot="1" noChangeAspect="1" noMove="1" noResize="1" noEditPoints="1" noAdjustHandles="1" noChangeArrowheads="1" noChangeShapeType="1" noTextEdit="1"/>
+              </p:cNvSpPr>
+              <p:nvPr>
+                <p:ph type="title"/>
+              </p:nvPr>
+            </p:nvSpPr>
+            <p:spPr>
+              <a:xfrm>
+                <a:off x="1371600" y="685800"/>
+                <a:ext cx="9601200" cy="4961534"/>
+              </a:xfrm>
+              <a:blipFill rotWithShape="0">
+                <a:blip r:embed="rId2"/>
+                <a:stretch>
+                  <a:fillRect t="-3567"/>
+                </a:stretch>
+              </a:blipFill>
+            </p:spPr>
+            <p:txBody>
+              <a:bodyPr/>
+              <a:lstStyle/>
+              <a:p>
+                <a:r>
+                  <a:rPr lang="en-US">
+                    <a:noFill/>
+                  </a:rPr>
+                  <a:t> </a:t>
+                </a:r>
+              </a:p>
+            </p:txBody>
+          </p:sp>
+        </mc:Fallback>
+      </mc:AlternateContent>
+    </p:spTree>
+    <p:extLst>
+      <p:ext uri="{BB962C8B-B14F-4D97-AF65-F5344CB8AC3E}">
+        <p14:creationId xmlns:p14="http://schemas.microsoft.com/office/powerpoint/2010/main" val="4079123959"/>
+      </p:ext>
+    </p:extLst>
+  </p:cSld>
+  <p:clrMapOvr>
+    <a:masterClrMapping/>
+  </p:clrMapOvr>
+  <p:timing>
+    <p:tnLst>
+      <p:par>
+        <p:cTn id="1" dur="indefinite" restart="never" nodeType="tmRoot"/>
+      </p:par>
+    </p:tnLst>
+  </p:timing>
+</p:sld>
+</file>
+
+<file path=ppt/slides/slide4.xml><?xml version="1.0" encoding="utf-8"?>
+<p:sld xmlns:a="http://schemas.openxmlformats.org/drawingml/2006/main" xmlns:r="http://schemas.openxmlformats.org/officeDocument/2006/relationships" xmlns:p="http://schemas.openxmlformats.org/presentationml/2006/main">
+  <p:cSld>
+    <p:spTree>
+      <p:nvGrpSpPr>
+        <p:cNvPr id="1" name=""/>
+        <p:cNvGrpSpPr/>
+        <p:nvPr/>
+      </p:nvGrpSpPr>
+      <p:grpSpPr>
+        <a:xfrm>
+          <a:off x="0" y="0"/>
+          <a:ext cx="0" cy="0"/>
+          <a:chOff x="0" y="0"/>
+          <a:chExt cx="0" cy="0"/>
+        </a:xfrm>
+      </p:grpSpPr>
       <p:sp>
         <p:nvSpPr>
           <p:cNvPr id="2" name="Title 1"/>
@@ -4240,7 +4635,7 @@
 </p:sld>
 </file>
 
-<file path=ppt/slides/slide4.xml><?xml version="1.0" encoding="utf-8"?>
+<file path=ppt/slides/slide5.xml><?xml version="1.0" encoding="utf-8"?>
 <p:sld xmlns:a="http://schemas.openxmlformats.org/drawingml/2006/main" xmlns:r="http://schemas.openxmlformats.org/officeDocument/2006/relationships" xmlns:p="http://schemas.openxmlformats.org/presentationml/2006/main">
   <p:cSld>
     <p:spTree>
